--- a/Later/JavaIO/JavaIO_13/Java Writer class.pptx
+++ b/Later/JavaIO/JavaIO_13/Java Writer class.pptx
@@ -1759,10 +1759,24 @@
     <dgm:pt modelId="{1538678F-5F38-47DD-A659-D141FBA86B6A}" type="pres">
       <dgm:prSet presAssocID="{B2042B35-401C-409E-89DB-EA3B576F3C4F}" presName="Name25" presStyleLbl="parChTrans1D2" presStyleIdx="6" presStyleCnt="7"/>
       <dgm:spPr/>
+      <dgm:t>
+        <a:bodyPr/>
+        <a:lstStyle/>
+        <a:p>
+          <a:endParaRPr lang="en-US"/>
+        </a:p>
+      </dgm:t>
     </dgm:pt>
     <dgm:pt modelId="{8403A919-0BA1-46D7-8D03-EEB2051045BA}" type="pres">
       <dgm:prSet presAssocID="{B2042B35-401C-409E-89DB-EA3B576F3C4F}" presName="connTx" presStyleLbl="parChTrans1D2" presStyleIdx="6" presStyleCnt="7"/>
       <dgm:spPr/>
+      <dgm:t>
+        <a:bodyPr/>
+        <a:lstStyle/>
+        <a:p>
+          <a:endParaRPr lang="en-US"/>
+        </a:p>
+      </dgm:t>
     </dgm:pt>
     <dgm:pt modelId="{9CAFDB4A-2C14-4DA0-8ED9-1388856B8033}" type="pres">
       <dgm:prSet presAssocID="{6DA8E64C-B463-4171-99E3-E12C88A701ED}" presName="Name30" presStyleCnt="0"/>
@@ -1796,37 +1810,37 @@
     </dgm:pt>
   </dgm:ptLst>
   <dgm:cxnLst>
+    <dgm:cxn modelId="{8AB9585B-AE5D-4530-B7F5-6280669EFAA8}" type="presOf" srcId="{A760EB09-D11F-4937-9DF1-8F912ABA75BC}" destId="{C10C522A-3910-4BC0-A5B7-9B2797F13D5F}" srcOrd="1" destOrd="0" presId="urn:microsoft.com/office/officeart/2005/8/layout/hierarchy5"/>
+    <dgm:cxn modelId="{32E1289B-49E5-4C53-BB6B-5F313BF1515C}" type="presOf" srcId="{6A0A4B28-7AD8-42E6-BD26-98F7B925D91D}" destId="{39E9A4A0-999A-49DE-871C-932B1E436155}" srcOrd="0" destOrd="0" presId="urn:microsoft.com/office/officeart/2005/8/layout/hierarchy5"/>
+    <dgm:cxn modelId="{37579AB9-D4B2-4D12-B9AA-50F86CE96E46}" type="presOf" srcId="{418811AE-4EFD-4FD4-A12E-FA523DF361BB}" destId="{CCB5589F-3138-4083-A4D4-02F6E7DD4B4C}" srcOrd="1" destOrd="0" presId="urn:microsoft.com/office/officeart/2005/8/layout/hierarchy5"/>
+    <dgm:cxn modelId="{7456D5D6-8095-4A27-B339-ABC84CC88631}" srcId="{983A5AA2-894B-4250-B5B4-23A4F6C571C9}" destId="{81D1ED44-2BED-4724-B5CC-0A926C4910DC}" srcOrd="1" destOrd="0" parTransId="{418811AE-4EFD-4FD4-A12E-FA523DF361BB}" sibTransId="{D71141D3-378C-44E5-85C9-ADBAE52F60FC}"/>
+    <dgm:cxn modelId="{19DFA978-C17B-487C-8DDD-FB00D54887A1}" type="presOf" srcId="{2C3898EB-30FF-43F0-BA9E-9329ACF42D76}" destId="{878411F4-1CF3-4203-87FF-9056C5456C7C}" srcOrd="0" destOrd="0" presId="urn:microsoft.com/office/officeart/2005/8/layout/hierarchy5"/>
+    <dgm:cxn modelId="{F6AEFE4B-314A-4FA4-B200-84FF23410C83}" type="presOf" srcId="{4D7A30BC-CD12-4669-8C7F-FB4313619EAC}" destId="{9EA69277-EEBF-44D0-ACF6-852F2FCE26EE}" srcOrd="0" destOrd="0" presId="urn:microsoft.com/office/officeart/2005/8/layout/hierarchy5"/>
+    <dgm:cxn modelId="{B15EB905-A2F0-476A-81CE-D225611D9FB2}" type="presOf" srcId="{2C3898EB-30FF-43F0-BA9E-9329ACF42D76}" destId="{604C1708-B9B0-40D6-8933-998D1013FC04}" srcOrd="1" destOrd="0" presId="urn:microsoft.com/office/officeart/2005/8/layout/hierarchy5"/>
+    <dgm:cxn modelId="{C738B7F3-0BC4-403C-B946-4827B84BE9FF}" type="presOf" srcId="{7EFABF79-A0FE-4038-8664-FB205B495140}" destId="{9B6D8DF2-289F-491C-B6B9-17091A5D90B7}" srcOrd="0" destOrd="0" presId="urn:microsoft.com/office/officeart/2005/8/layout/hierarchy5"/>
+    <dgm:cxn modelId="{935C9F42-C123-42A7-B47B-275CD9AAB188}" type="presOf" srcId="{6FD47363-7041-448C-A50C-73F69EB49134}" destId="{2F387B0F-F939-43A3-BA5E-24A8F62A1D4F}" srcOrd="0" destOrd="0" presId="urn:microsoft.com/office/officeart/2005/8/layout/hierarchy5"/>
+    <dgm:cxn modelId="{33DAE313-8807-4F5A-8825-48C04C06DBE6}" type="presOf" srcId="{4A2A045C-3686-4092-B4BF-82E7906C49CE}" destId="{1AFBC6F5-1653-4A86-ACD5-20946C5D3CCC}" srcOrd="0" destOrd="0" presId="urn:microsoft.com/office/officeart/2005/8/layout/hierarchy5"/>
+    <dgm:cxn modelId="{FD75E9C6-0E3D-49AE-B0B7-8ADEFC473ABE}" type="presOf" srcId="{D0161CA1-9A0B-41F9-953F-DAEE67832C30}" destId="{9F3597DC-E031-4D83-8BA5-DE8D5518DD58}" srcOrd="0" destOrd="0" presId="urn:microsoft.com/office/officeart/2005/8/layout/hierarchy5"/>
+    <dgm:cxn modelId="{6F4D758A-D3A0-411A-83D8-6953432D49A4}" type="presOf" srcId="{81D1ED44-2BED-4724-B5CC-0A926C4910DC}" destId="{6D063357-27B6-4614-B95C-7148FED3A3E6}" srcOrd="0" destOrd="0" presId="urn:microsoft.com/office/officeart/2005/8/layout/hierarchy5"/>
+    <dgm:cxn modelId="{BC12EECA-AD45-4612-B897-5A36902742AB}" type="presOf" srcId="{983A5AA2-894B-4250-B5B4-23A4F6C571C9}" destId="{7D753CCB-C724-4406-B454-1C67FA1CE5F6}" srcOrd="0" destOrd="0" presId="urn:microsoft.com/office/officeart/2005/8/layout/hierarchy5"/>
+    <dgm:cxn modelId="{00F11A06-5D69-4F24-B050-B8BCD79AB823}" type="presOf" srcId="{418811AE-4EFD-4FD4-A12E-FA523DF361BB}" destId="{38AD8D5B-6EAB-441E-A4A7-2AB917DB4B57}" srcOrd="0" destOrd="0" presId="urn:microsoft.com/office/officeart/2005/8/layout/hierarchy5"/>
+    <dgm:cxn modelId="{7630DDC4-4369-4CE7-82F8-4D75770FFB7A}" type="presOf" srcId="{B2042B35-401C-409E-89DB-EA3B576F3C4F}" destId="{8403A919-0BA1-46D7-8D03-EEB2051045BA}" srcOrd="1" destOrd="0" presId="urn:microsoft.com/office/officeart/2005/8/layout/hierarchy5"/>
+    <dgm:cxn modelId="{6E1BBC1F-5164-461A-B929-664B81F25BDE}" srcId="{983A5AA2-894B-4250-B5B4-23A4F6C571C9}" destId="{4A2A045C-3686-4092-B4BF-82E7906C49CE}" srcOrd="4" destOrd="0" parTransId="{446538A5-1AA0-403B-A043-124248D832AC}" sibTransId="{CAF4A501-85C4-408D-B3D4-F0EB326CAC8E}"/>
+    <dgm:cxn modelId="{E236E31B-2B58-4159-ABB3-494851B22330}" type="presOf" srcId="{446538A5-1AA0-403B-A043-124248D832AC}" destId="{B4E1A482-DD07-4478-8641-717728E2D7B1}" srcOrd="0" destOrd="0" presId="urn:microsoft.com/office/officeart/2005/8/layout/hierarchy5"/>
+    <dgm:cxn modelId="{37A41569-A33D-451B-AF68-3928DDCCB1D6}" type="presOf" srcId="{6DA8E64C-B463-4171-99E3-E12C88A701ED}" destId="{DCF0D698-2FF1-4F3E-80C5-B22D02331E27}" srcOrd="0" destOrd="0" presId="urn:microsoft.com/office/officeart/2005/8/layout/hierarchy5"/>
+    <dgm:cxn modelId="{22AB234F-BA48-433E-A384-518572C38268}" srcId="{983A5AA2-894B-4250-B5B4-23A4F6C571C9}" destId="{6DA8E64C-B463-4171-99E3-E12C88A701ED}" srcOrd="6" destOrd="0" parTransId="{B2042B35-401C-409E-89DB-EA3B576F3C4F}" sibTransId="{22E8397A-7A19-4678-8072-8CE45F5979E4}"/>
+    <dgm:cxn modelId="{F2159F30-BA4E-40FF-B040-1FDEADCBD466}" srcId="{983A5AA2-894B-4250-B5B4-23A4F6C571C9}" destId="{6A0A4B28-7AD8-42E6-BD26-98F7B925D91D}" srcOrd="0" destOrd="0" parTransId="{A760EB09-D11F-4937-9DF1-8F912ABA75BC}" sibTransId="{C54EE0E0-C456-4E65-9BF7-64E6ACC3D124}"/>
+    <dgm:cxn modelId="{59A7D4AD-FA46-41C7-B690-37EE9CCA1211}" type="presOf" srcId="{A760EB09-D11F-4937-9DF1-8F912ABA75BC}" destId="{13987898-EBA2-4BE8-8EF4-B634C6038022}" srcOrd="0" destOrd="0" presId="urn:microsoft.com/office/officeart/2005/8/layout/hierarchy5"/>
+    <dgm:cxn modelId="{CA62357A-D0FD-4A04-A857-43C67B8AAA9F}" srcId="{983A5AA2-894B-4250-B5B4-23A4F6C571C9}" destId="{9468C85C-C039-4BD5-8D2A-A7A65BBE05AE}" srcOrd="5" destOrd="0" parTransId="{7EFABF79-A0FE-4038-8664-FB205B495140}" sibTransId="{6651B3C6-D679-439F-A3B4-0D8F89B54554}"/>
+    <dgm:cxn modelId="{0028F217-62A5-4360-B85A-7BD616179E80}" type="presOf" srcId="{250A56F6-C2E1-4738-8221-E50B8D533FBA}" destId="{A3559C72-3D8A-428A-87DF-5D208791258C}" srcOrd="0" destOrd="0" presId="urn:microsoft.com/office/officeart/2005/8/layout/hierarchy5"/>
+    <dgm:cxn modelId="{85EF15B1-AFA5-4311-87A7-E4BB71A160B2}" type="presOf" srcId="{7EFABF79-A0FE-4038-8664-FB205B495140}" destId="{20D4D017-47A4-40FE-8335-258A3C83898C}" srcOrd="1" destOrd="0" presId="urn:microsoft.com/office/officeart/2005/8/layout/hierarchy5"/>
+    <dgm:cxn modelId="{4B127E4B-7FAC-490D-ADBB-FEEE20B0EA1F}" type="presOf" srcId="{B2042B35-401C-409E-89DB-EA3B576F3C4F}" destId="{1538678F-5F38-47DD-A659-D141FBA86B6A}" srcOrd="0" destOrd="0" presId="urn:microsoft.com/office/officeart/2005/8/layout/hierarchy5"/>
     <dgm:cxn modelId="{E9F42989-88D2-43EE-9807-910C92F48DEE}" srcId="{983A5AA2-894B-4250-B5B4-23A4F6C571C9}" destId="{250A56F6-C2E1-4738-8221-E50B8D533FBA}" srcOrd="2" destOrd="0" parTransId="{6FD47363-7041-448C-A50C-73F69EB49134}" sibTransId="{F368090B-19D9-42C9-AF68-042DDDC6CACD}"/>
-    <dgm:cxn modelId="{37579AB9-D4B2-4D12-B9AA-50F86CE96E46}" type="presOf" srcId="{418811AE-4EFD-4FD4-A12E-FA523DF361BB}" destId="{CCB5589F-3138-4083-A4D4-02F6E7DD4B4C}" srcOrd="1" destOrd="0" presId="urn:microsoft.com/office/officeart/2005/8/layout/hierarchy5"/>
-    <dgm:cxn modelId="{0028F217-62A5-4360-B85A-7BD616179E80}" type="presOf" srcId="{250A56F6-C2E1-4738-8221-E50B8D533FBA}" destId="{A3559C72-3D8A-428A-87DF-5D208791258C}" srcOrd="0" destOrd="0" presId="urn:microsoft.com/office/officeart/2005/8/layout/hierarchy5"/>
-    <dgm:cxn modelId="{8AB9585B-AE5D-4530-B7F5-6280669EFAA8}" type="presOf" srcId="{A760EB09-D11F-4937-9DF1-8F912ABA75BC}" destId="{C10C522A-3910-4BC0-A5B7-9B2797F13D5F}" srcOrd="1" destOrd="0" presId="urn:microsoft.com/office/officeart/2005/8/layout/hierarchy5"/>
-    <dgm:cxn modelId="{CA62357A-D0FD-4A04-A857-43C67B8AAA9F}" srcId="{983A5AA2-894B-4250-B5B4-23A4F6C571C9}" destId="{9468C85C-C039-4BD5-8D2A-A7A65BBE05AE}" srcOrd="5" destOrd="0" parTransId="{7EFABF79-A0FE-4038-8664-FB205B495140}" sibTransId="{6651B3C6-D679-439F-A3B4-0D8F89B54554}"/>
-    <dgm:cxn modelId="{A6E41257-088C-4DED-B31F-B3D84072F7F6}" srcId="{983A5AA2-894B-4250-B5B4-23A4F6C571C9}" destId="{4D7A30BC-CD12-4669-8C7F-FB4313619EAC}" srcOrd="3" destOrd="0" parTransId="{2C3898EB-30FF-43F0-BA9E-9329ACF42D76}" sibTransId="{299008DF-A204-4BC8-935E-E7B1EF4E57DE}"/>
-    <dgm:cxn modelId="{7456D5D6-8095-4A27-B339-ABC84CC88631}" srcId="{983A5AA2-894B-4250-B5B4-23A4F6C571C9}" destId="{81D1ED44-2BED-4724-B5CC-0A926C4910DC}" srcOrd="1" destOrd="0" parTransId="{418811AE-4EFD-4FD4-A12E-FA523DF361BB}" sibTransId="{D71141D3-378C-44E5-85C9-ADBAE52F60FC}"/>
-    <dgm:cxn modelId="{37A41569-A33D-451B-AF68-3928DDCCB1D6}" type="presOf" srcId="{6DA8E64C-B463-4171-99E3-E12C88A701ED}" destId="{DCF0D698-2FF1-4F3E-80C5-B22D02331E27}" srcOrd="0" destOrd="0" presId="urn:microsoft.com/office/officeart/2005/8/layout/hierarchy5"/>
-    <dgm:cxn modelId="{ED2A0432-866C-4B46-AA8B-39BCCA4799BA}" type="presOf" srcId="{446538A5-1AA0-403B-A043-124248D832AC}" destId="{C615AEF1-64F6-48F2-B10A-59DFCD2490D4}" srcOrd="1" destOrd="0" presId="urn:microsoft.com/office/officeart/2005/8/layout/hierarchy5"/>
-    <dgm:cxn modelId="{59A7D4AD-FA46-41C7-B690-37EE9CCA1211}" type="presOf" srcId="{A760EB09-D11F-4937-9DF1-8F912ABA75BC}" destId="{13987898-EBA2-4BE8-8EF4-B634C6038022}" srcOrd="0" destOrd="0" presId="urn:microsoft.com/office/officeart/2005/8/layout/hierarchy5"/>
-    <dgm:cxn modelId="{7630DDC4-4369-4CE7-82F8-4D75770FFB7A}" type="presOf" srcId="{B2042B35-401C-409E-89DB-EA3B576F3C4F}" destId="{8403A919-0BA1-46D7-8D03-EEB2051045BA}" srcOrd="1" destOrd="0" presId="urn:microsoft.com/office/officeart/2005/8/layout/hierarchy5"/>
-    <dgm:cxn modelId="{7E147168-59E5-4D37-84A9-25EC8E98DBB0}" srcId="{D0161CA1-9A0B-41F9-953F-DAEE67832C30}" destId="{983A5AA2-894B-4250-B5B4-23A4F6C571C9}" srcOrd="0" destOrd="0" parTransId="{12BF3CFB-393B-4E5A-92A1-1F488F8F4BE9}" sibTransId="{512B5DDD-125C-498D-8021-07EF58EB4092}"/>
-    <dgm:cxn modelId="{6E1BBC1F-5164-461A-B929-664B81F25BDE}" srcId="{983A5AA2-894B-4250-B5B4-23A4F6C571C9}" destId="{4A2A045C-3686-4092-B4BF-82E7906C49CE}" srcOrd="4" destOrd="0" parTransId="{446538A5-1AA0-403B-A043-124248D832AC}" sibTransId="{CAF4A501-85C4-408D-B3D4-F0EB326CAC8E}"/>
-    <dgm:cxn modelId="{C738B7F3-0BC4-403C-B946-4827B84BE9FF}" type="presOf" srcId="{7EFABF79-A0FE-4038-8664-FB205B495140}" destId="{9B6D8DF2-289F-491C-B6B9-17091A5D90B7}" srcOrd="0" destOrd="0" presId="urn:microsoft.com/office/officeart/2005/8/layout/hierarchy5"/>
-    <dgm:cxn modelId="{00F11A06-5D69-4F24-B050-B8BCD79AB823}" type="presOf" srcId="{418811AE-4EFD-4FD4-A12E-FA523DF361BB}" destId="{38AD8D5B-6EAB-441E-A4A7-2AB917DB4B57}" srcOrd="0" destOrd="0" presId="urn:microsoft.com/office/officeart/2005/8/layout/hierarchy5"/>
-    <dgm:cxn modelId="{935C9F42-C123-42A7-B47B-275CD9AAB188}" type="presOf" srcId="{6FD47363-7041-448C-A50C-73F69EB49134}" destId="{2F387B0F-F939-43A3-BA5E-24A8F62A1D4F}" srcOrd="0" destOrd="0" presId="urn:microsoft.com/office/officeart/2005/8/layout/hierarchy5"/>
-    <dgm:cxn modelId="{85EF15B1-AFA5-4311-87A7-E4BB71A160B2}" type="presOf" srcId="{7EFABF79-A0FE-4038-8664-FB205B495140}" destId="{20D4D017-47A4-40FE-8335-258A3C83898C}" srcOrd="1" destOrd="0" presId="urn:microsoft.com/office/officeart/2005/8/layout/hierarchy5"/>
-    <dgm:cxn modelId="{19DFA978-C17B-487C-8DDD-FB00D54887A1}" type="presOf" srcId="{2C3898EB-30FF-43F0-BA9E-9329ACF42D76}" destId="{878411F4-1CF3-4203-87FF-9056C5456C7C}" srcOrd="0" destOrd="0" presId="urn:microsoft.com/office/officeart/2005/8/layout/hierarchy5"/>
     <dgm:cxn modelId="{57BA580B-1CA1-4B6F-9865-C9258B75D1FC}" type="presOf" srcId="{6FD47363-7041-448C-A50C-73F69EB49134}" destId="{E5C76243-C4F1-4938-A370-282618EBB706}" srcOrd="1" destOrd="0" presId="urn:microsoft.com/office/officeart/2005/8/layout/hierarchy5"/>
     <dgm:cxn modelId="{F9CBD1BE-5025-4723-B8C4-E183BD3A6EA9}" type="presOf" srcId="{9468C85C-C039-4BD5-8D2A-A7A65BBE05AE}" destId="{DF54C0A1-E02D-4558-9A0D-60A86C7A86D4}" srcOrd="0" destOrd="0" presId="urn:microsoft.com/office/officeart/2005/8/layout/hierarchy5"/>
-    <dgm:cxn modelId="{33DAE313-8807-4F5A-8825-48C04C06DBE6}" type="presOf" srcId="{4A2A045C-3686-4092-B4BF-82E7906C49CE}" destId="{1AFBC6F5-1653-4A86-ACD5-20946C5D3CCC}" srcOrd="0" destOrd="0" presId="urn:microsoft.com/office/officeart/2005/8/layout/hierarchy5"/>
-    <dgm:cxn modelId="{E236E31B-2B58-4159-ABB3-494851B22330}" type="presOf" srcId="{446538A5-1AA0-403B-A043-124248D832AC}" destId="{B4E1A482-DD07-4478-8641-717728E2D7B1}" srcOrd="0" destOrd="0" presId="urn:microsoft.com/office/officeart/2005/8/layout/hierarchy5"/>
-    <dgm:cxn modelId="{6F4D758A-D3A0-411A-83D8-6953432D49A4}" type="presOf" srcId="{81D1ED44-2BED-4724-B5CC-0A926C4910DC}" destId="{6D063357-27B6-4614-B95C-7148FED3A3E6}" srcOrd="0" destOrd="0" presId="urn:microsoft.com/office/officeart/2005/8/layout/hierarchy5"/>
-    <dgm:cxn modelId="{BC12EECA-AD45-4612-B897-5A36902742AB}" type="presOf" srcId="{983A5AA2-894B-4250-B5B4-23A4F6C571C9}" destId="{7D753CCB-C724-4406-B454-1C67FA1CE5F6}" srcOrd="0" destOrd="0" presId="urn:microsoft.com/office/officeart/2005/8/layout/hierarchy5"/>
-    <dgm:cxn modelId="{F6AEFE4B-314A-4FA4-B200-84FF23410C83}" type="presOf" srcId="{4D7A30BC-CD12-4669-8C7F-FB4313619EAC}" destId="{9EA69277-EEBF-44D0-ACF6-852F2FCE26EE}" srcOrd="0" destOrd="0" presId="urn:microsoft.com/office/officeart/2005/8/layout/hierarchy5"/>
-    <dgm:cxn modelId="{FD75E9C6-0E3D-49AE-B0B7-8ADEFC473ABE}" type="presOf" srcId="{D0161CA1-9A0B-41F9-953F-DAEE67832C30}" destId="{9F3597DC-E031-4D83-8BA5-DE8D5518DD58}" srcOrd="0" destOrd="0" presId="urn:microsoft.com/office/officeart/2005/8/layout/hierarchy5"/>
-    <dgm:cxn modelId="{4B127E4B-7FAC-490D-ADBB-FEEE20B0EA1F}" type="presOf" srcId="{B2042B35-401C-409E-89DB-EA3B576F3C4F}" destId="{1538678F-5F38-47DD-A659-D141FBA86B6A}" srcOrd="0" destOrd="0" presId="urn:microsoft.com/office/officeart/2005/8/layout/hierarchy5"/>
-    <dgm:cxn modelId="{22AB234F-BA48-433E-A384-518572C38268}" srcId="{983A5AA2-894B-4250-B5B4-23A4F6C571C9}" destId="{6DA8E64C-B463-4171-99E3-E12C88A701ED}" srcOrd="6" destOrd="0" parTransId="{B2042B35-401C-409E-89DB-EA3B576F3C4F}" sibTransId="{22E8397A-7A19-4678-8072-8CE45F5979E4}"/>
-    <dgm:cxn modelId="{B15EB905-A2F0-476A-81CE-D225611D9FB2}" type="presOf" srcId="{2C3898EB-30FF-43F0-BA9E-9329ACF42D76}" destId="{604C1708-B9B0-40D6-8933-998D1013FC04}" srcOrd="1" destOrd="0" presId="urn:microsoft.com/office/officeart/2005/8/layout/hierarchy5"/>
-    <dgm:cxn modelId="{F2159F30-BA4E-40FF-B040-1FDEADCBD466}" srcId="{983A5AA2-894B-4250-B5B4-23A4F6C571C9}" destId="{6A0A4B28-7AD8-42E6-BD26-98F7B925D91D}" srcOrd="0" destOrd="0" parTransId="{A760EB09-D11F-4937-9DF1-8F912ABA75BC}" sibTransId="{C54EE0E0-C456-4E65-9BF7-64E6ACC3D124}"/>
-    <dgm:cxn modelId="{32E1289B-49E5-4C53-BB6B-5F313BF1515C}" type="presOf" srcId="{6A0A4B28-7AD8-42E6-BD26-98F7B925D91D}" destId="{39E9A4A0-999A-49DE-871C-932B1E436155}" srcOrd="0" destOrd="0" presId="urn:microsoft.com/office/officeart/2005/8/layout/hierarchy5"/>
+    <dgm:cxn modelId="{7E147168-59E5-4D37-84A9-25EC8E98DBB0}" srcId="{D0161CA1-9A0B-41F9-953F-DAEE67832C30}" destId="{983A5AA2-894B-4250-B5B4-23A4F6C571C9}" srcOrd="0" destOrd="0" parTransId="{12BF3CFB-393B-4E5A-92A1-1F488F8F4BE9}" sibTransId="{512B5DDD-125C-498D-8021-07EF58EB4092}"/>
+    <dgm:cxn modelId="{ED2A0432-866C-4B46-AA8B-39BCCA4799BA}" type="presOf" srcId="{446538A5-1AA0-403B-A043-124248D832AC}" destId="{C615AEF1-64F6-48F2-B10A-59DFCD2490D4}" srcOrd="1" destOrd="0" presId="urn:microsoft.com/office/officeart/2005/8/layout/hierarchy5"/>
+    <dgm:cxn modelId="{A6E41257-088C-4DED-B31F-B3D84072F7F6}" srcId="{983A5AA2-894B-4250-B5B4-23A4F6C571C9}" destId="{4D7A30BC-CD12-4669-8C7F-FB4313619EAC}" srcOrd="3" destOrd="0" parTransId="{2C3898EB-30FF-43F0-BA9E-9329ACF42D76}" sibTransId="{299008DF-A204-4BC8-935E-E7B1EF4E57DE}"/>
     <dgm:cxn modelId="{9279B6AE-9D1F-473D-AB91-8330F33342C3}" type="presParOf" srcId="{9F3597DC-E031-4D83-8BA5-DE8D5518DD58}" destId="{B08250E3-3F65-45FB-A875-6B1DA12D5AB2}" srcOrd="0" destOrd="0" presId="urn:microsoft.com/office/officeart/2005/8/layout/hierarchy5"/>
     <dgm:cxn modelId="{F9D65268-A025-421D-B865-18E46DA2561B}" type="presParOf" srcId="{B08250E3-3F65-45FB-A875-6B1DA12D5AB2}" destId="{93C517F7-A369-417E-97D7-B9A6F36009E4}" srcOrd="0" destOrd="0" presId="urn:microsoft.com/office/officeart/2005/8/layout/hierarchy5"/>
     <dgm:cxn modelId="{EE102100-B4D4-4B39-A26C-A376A0BA2EB2}" type="presParOf" srcId="{93C517F7-A369-417E-97D7-B9A6F36009E4}" destId="{9B62C6E6-FD31-4372-BD4F-201C1E604B4A}" srcOrd="0" destOrd="0" presId="urn:microsoft.com/office/officeart/2005/8/layout/hierarchy5"/>
@@ -4959,7 +4973,7 @@
           <a:p>
             <a:fld id="{62274EC6-3890-417B-9308-14EFBD00FA63}" type="datetimeFigureOut">
               <a:rPr lang="en-US" smtClean="0"/>
-              <a:t>6/16/2016</a:t>
+              <a:t>6/29/2016</a:t>
             </a:fld>
             <a:endParaRPr lang="en-US" dirty="0"/>
           </a:p>
@@ -5765,7 +5779,7 @@
             <a:fld id="{1D8BD707-D9CF-40AE-B4C6-C98DA3205C09}" type="datetimeFigureOut">
               <a:rPr lang="en-US" smtClean="0"/>
               <a:pPr/>
-              <a:t>6/16/2016</a:t>
+              <a:t>6/29/2016</a:t>
             </a:fld>
             <a:endParaRPr lang="en-US" dirty="0"/>
           </a:p>
@@ -5937,7 +5951,7 @@
             <a:fld id="{1D8BD707-D9CF-40AE-B4C6-C98DA3205C09}" type="datetimeFigureOut">
               <a:rPr lang="en-US" smtClean="0"/>
               <a:pPr/>
-              <a:t>6/16/2016</a:t>
+              <a:t>6/29/2016</a:t>
             </a:fld>
             <a:endParaRPr lang="en-US" dirty="0"/>
           </a:p>
@@ -6119,7 +6133,7 @@
             <a:fld id="{1D8BD707-D9CF-40AE-B4C6-C98DA3205C09}" type="datetimeFigureOut">
               <a:rPr lang="en-US" smtClean="0"/>
               <a:pPr/>
-              <a:t>6/16/2016</a:t>
+              <a:t>6/29/2016</a:t>
             </a:fld>
             <a:endParaRPr lang="en-US" dirty="0"/>
           </a:p>
@@ -6291,7 +6305,7 @@
             <a:fld id="{1D8BD707-D9CF-40AE-B4C6-C98DA3205C09}" type="datetimeFigureOut">
               <a:rPr lang="en-US" smtClean="0"/>
               <a:pPr/>
-              <a:t>6/16/2016</a:t>
+              <a:t>6/29/2016</a:t>
             </a:fld>
             <a:endParaRPr lang="en-US" dirty="0"/>
           </a:p>
@@ -6539,7 +6553,7 @@
             <a:fld id="{1D8BD707-D9CF-40AE-B4C6-C98DA3205C09}" type="datetimeFigureOut">
               <a:rPr lang="en-US" smtClean="0"/>
               <a:pPr/>
-              <a:t>6/16/2016</a:t>
+              <a:t>6/29/2016</a:t>
             </a:fld>
             <a:endParaRPr lang="en-US" dirty="0"/>
           </a:p>
@@ -6829,7 +6843,7 @@
             <a:fld id="{1D8BD707-D9CF-40AE-B4C6-C98DA3205C09}" type="datetimeFigureOut">
               <a:rPr lang="en-US" smtClean="0"/>
               <a:pPr/>
-              <a:t>6/16/2016</a:t>
+              <a:t>6/29/2016</a:t>
             </a:fld>
             <a:endParaRPr lang="en-US" dirty="0"/>
           </a:p>
@@ -7258,7 +7272,7 @@
             <a:fld id="{1D8BD707-D9CF-40AE-B4C6-C98DA3205C09}" type="datetimeFigureOut">
               <a:rPr lang="en-US" smtClean="0"/>
               <a:pPr/>
-              <a:t>6/16/2016</a:t>
+              <a:t>6/29/2016</a:t>
             </a:fld>
             <a:endParaRPr lang="en-US" dirty="0"/>
           </a:p>
@@ -7378,7 +7392,7 @@
             <a:fld id="{1D8BD707-D9CF-40AE-B4C6-C98DA3205C09}" type="datetimeFigureOut">
               <a:rPr lang="en-US" smtClean="0"/>
               <a:pPr/>
-              <a:t>6/16/2016</a:t>
+              <a:t>6/29/2016</a:t>
             </a:fld>
             <a:endParaRPr lang="en-US" dirty="0"/>
           </a:p>
@@ -7475,7 +7489,7 @@
             <a:fld id="{1D8BD707-D9CF-40AE-B4C6-C98DA3205C09}" type="datetimeFigureOut">
               <a:rPr lang="en-US" smtClean="0"/>
               <a:pPr/>
-              <a:t>6/16/2016</a:t>
+              <a:t>6/29/2016</a:t>
             </a:fld>
             <a:endParaRPr lang="en-US" dirty="0"/>
           </a:p>
@@ -7754,7 +7768,7 @@
             <a:fld id="{1D8BD707-D9CF-40AE-B4C6-C98DA3205C09}" type="datetimeFigureOut">
               <a:rPr lang="en-US" smtClean="0"/>
               <a:pPr/>
-              <a:t>6/16/2016</a:t>
+              <a:t>6/29/2016</a:t>
             </a:fld>
             <a:endParaRPr lang="en-US" dirty="0"/>
           </a:p>
@@ -8009,7 +8023,7 @@
             <a:fld id="{1D8BD707-D9CF-40AE-B4C6-C98DA3205C09}" type="datetimeFigureOut">
               <a:rPr lang="en-US" smtClean="0"/>
               <a:pPr/>
-              <a:t>6/16/2016</a:t>
+              <a:t>6/29/2016</a:t>
             </a:fld>
             <a:endParaRPr lang="en-US" dirty="0"/>
           </a:p>
@@ -8224,7 +8238,7 @@
             <a:fld id="{1D8BD707-D9CF-40AE-B4C6-C98DA3205C09}" type="datetimeFigureOut">
               <a:rPr lang="en-US" smtClean="0"/>
               <a:pPr/>
-              <a:t>6/16/2016</a:t>
+              <a:t>6/29/2016</a:t>
             </a:fld>
             <a:endParaRPr lang="en-US" dirty="0"/>
           </a:p>
@@ -8686,13 +8700,13 @@
         </p:nvSpPr>
         <p:spPr>
           <a:xfrm>
-            <a:off x="152400" y="1524000"/>
-            <a:ext cx="2743200" cy="533400"/>
+            <a:off x="152400" y="291325"/>
+            <a:ext cx="3581400" cy="1766075"/>
           </a:xfrm>
           <a:prstGeom prst="wedgeRoundRectCallout">
             <a:avLst>
-              <a:gd name="adj1" fmla="val 26677"/>
-              <a:gd name="adj2" fmla="val 103509"/>
+              <a:gd name="adj1" fmla="val 31191"/>
+              <a:gd name="adj2" fmla="val 66834"/>
               <a:gd name="adj3" fmla="val 16667"/>
             </a:avLst>
           </a:prstGeom>
@@ -8751,6 +8765,67 @@
             <a:r>
               <a:rPr lang="en-US" sz="1200" dirty="0" smtClean="0"/>
               <a:t>.</a:t>
+            </a:r>
+          </a:p>
+          <a:p>
+            <a:pPr marL="171450" indent="-171450">
+              <a:buFont typeface="Wingdings" pitchFamily="2" charset="2"/>
+              <a:buChar char="ü"/>
+            </a:pPr>
+            <a:endParaRPr lang="en-US" sz="1200" dirty="0"/>
+          </a:p>
+          <a:p>
+            <a:pPr marL="171450" indent="-171450">
+              <a:buFont typeface="Wingdings" pitchFamily="2" charset="2"/>
+              <a:buChar char="ü"/>
+            </a:pPr>
+            <a:r>
+              <a:rPr lang="en-US" sz="1200" dirty="0" smtClean="0"/>
+              <a:t>A </a:t>
+            </a:r>
+            <a:r>
+              <a:rPr lang="en-US" sz="1200" b="1" dirty="0" smtClean="0">
+                <a:solidFill>
+                  <a:srgbClr val="C00000"/>
+                </a:solidFill>
+              </a:rPr>
+              <a:t>Writer</a:t>
+            </a:r>
+            <a:r>
+              <a:rPr lang="en-US" sz="1200" dirty="0"/>
+              <a:t> is like an </a:t>
+            </a:r>
+            <a:r>
+              <a:rPr lang="en-US" sz="1200" dirty="0"/>
+              <a:t>OutputStream</a:t>
+            </a:r>
+            <a:r>
+              <a:rPr lang="en-US" sz="1200" dirty="0"/>
+              <a:t> except that it is character based rather than byte based. In other words, </a:t>
+            </a:r>
+            <a:r>
+              <a:rPr lang="en-US" sz="1200" dirty="0" smtClean="0"/>
+              <a:t>a </a:t>
+            </a:r>
+            <a:r>
+              <a:rPr lang="en-US" sz="1200" b="1" dirty="0" smtClean="0">
+                <a:solidFill>
+                  <a:srgbClr val="C00000"/>
+                </a:solidFill>
+              </a:rPr>
+              <a:t>Writer</a:t>
+            </a:r>
+            <a:r>
+              <a:rPr lang="en-US" sz="1200" dirty="0"/>
+              <a:t> is intended for writing text, whereas an </a:t>
+            </a:r>
+            <a:r>
+              <a:rPr lang="en-US" sz="1200" dirty="0"/>
+              <a:t>OutputStream</a:t>
+            </a:r>
+            <a:r>
+              <a:rPr lang="en-US" sz="1200" dirty="0"/>
+              <a:t> is intended for writing raw bytes.</a:t>
             </a:r>
             <a:endParaRPr lang="en-US" sz="1200" dirty="0"/>
           </a:p>
@@ -9166,7 +9241,6 @@
               <a:rPr lang="en-US" dirty="0"/>
               <a:t>https://docs.oracle.com/javase/8/docs/api/index.html?java/io/Writer.html</a:t>
             </a:r>
-            <a:endParaRPr lang="en-US" dirty="0"/>
           </a:p>
         </p:txBody>
       </p:sp>
